--- a/Challenges/FruitQualityGraph.pptx
+++ b/Challenges/FruitQualityGraph.pptx
@@ -6,7 +6,6 @@
   </p:sldMasterIdLst>
   <p:sldIdLst>
     <p:sldId id="256" r:id="rId2"/>
-    <p:sldId id="257" r:id="rId3"/>
   </p:sldIdLst>
   <p:sldSz cx="12192000" cy="6858000"/>
   <p:notesSz cx="7010400" cy="9296400"/>
@@ -260,7 +259,7 @@
           <a:p>
             <a:fld id="{475285AB-45C2-4E3D-959C-E0F014F8DA42}" type="datetimeFigureOut">
               <a:rPr lang="en-US" smtClean="0"/>
-              <a:t>12/5/2018</a:t>
+              <a:t>12/8/2018</a:t>
             </a:fld>
             <a:endParaRPr lang="en-US"/>
           </a:p>
@@ -458,7 +457,7 @@
           <a:p>
             <a:fld id="{475285AB-45C2-4E3D-959C-E0F014F8DA42}" type="datetimeFigureOut">
               <a:rPr lang="en-US" smtClean="0"/>
-              <a:t>12/5/2018</a:t>
+              <a:t>12/8/2018</a:t>
             </a:fld>
             <a:endParaRPr lang="en-US"/>
           </a:p>
@@ -666,7 +665,7 @@
           <a:p>
             <a:fld id="{475285AB-45C2-4E3D-959C-E0F014F8DA42}" type="datetimeFigureOut">
               <a:rPr lang="en-US" smtClean="0"/>
-              <a:t>12/5/2018</a:t>
+              <a:t>12/8/2018</a:t>
             </a:fld>
             <a:endParaRPr lang="en-US"/>
           </a:p>
@@ -864,7 +863,7 @@
           <a:p>
             <a:fld id="{475285AB-45C2-4E3D-959C-E0F014F8DA42}" type="datetimeFigureOut">
               <a:rPr lang="en-US" smtClean="0"/>
-              <a:t>12/5/2018</a:t>
+              <a:t>12/8/2018</a:t>
             </a:fld>
             <a:endParaRPr lang="en-US"/>
           </a:p>
@@ -1139,7 +1138,7 @@
           <a:p>
             <a:fld id="{475285AB-45C2-4E3D-959C-E0F014F8DA42}" type="datetimeFigureOut">
               <a:rPr lang="en-US" smtClean="0"/>
-              <a:t>12/5/2018</a:t>
+              <a:t>12/8/2018</a:t>
             </a:fld>
             <a:endParaRPr lang="en-US"/>
           </a:p>
@@ -1404,7 +1403,7 @@
           <a:p>
             <a:fld id="{475285AB-45C2-4E3D-959C-E0F014F8DA42}" type="datetimeFigureOut">
               <a:rPr lang="en-US" smtClean="0"/>
-              <a:t>12/5/2018</a:t>
+              <a:t>12/8/2018</a:t>
             </a:fld>
             <a:endParaRPr lang="en-US"/>
           </a:p>
@@ -1816,7 +1815,7 @@
           <a:p>
             <a:fld id="{475285AB-45C2-4E3D-959C-E0F014F8DA42}" type="datetimeFigureOut">
               <a:rPr lang="en-US" smtClean="0"/>
-              <a:t>12/5/2018</a:t>
+              <a:t>12/8/2018</a:t>
             </a:fld>
             <a:endParaRPr lang="en-US"/>
           </a:p>
@@ -1957,7 +1956,7 @@
           <a:p>
             <a:fld id="{475285AB-45C2-4E3D-959C-E0F014F8DA42}" type="datetimeFigureOut">
               <a:rPr lang="en-US" smtClean="0"/>
-              <a:t>12/5/2018</a:t>
+              <a:t>12/8/2018</a:t>
             </a:fld>
             <a:endParaRPr lang="en-US"/>
           </a:p>
@@ -2070,7 +2069,7 @@
           <a:p>
             <a:fld id="{475285AB-45C2-4E3D-959C-E0F014F8DA42}" type="datetimeFigureOut">
               <a:rPr lang="en-US" smtClean="0"/>
-              <a:t>12/5/2018</a:t>
+              <a:t>12/8/2018</a:t>
             </a:fld>
             <a:endParaRPr lang="en-US"/>
           </a:p>
@@ -2381,7 +2380,7 @@
           <a:p>
             <a:fld id="{475285AB-45C2-4E3D-959C-E0F014F8DA42}" type="datetimeFigureOut">
               <a:rPr lang="en-US" smtClean="0"/>
-              <a:t>12/5/2018</a:t>
+              <a:t>12/8/2018</a:t>
             </a:fld>
             <a:endParaRPr lang="en-US"/>
           </a:p>
@@ -2669,7 +2668,7 @@
           <a:p>
             <a:fld id="{475285AB-45C2-4E3D-959C-E0F014F8DA42}" type="datetimeFigureOut">
               <a:rPr lang="en-US" smtClean="0"/>
-              <a:t>12/5/2018</a:t>
+              <a:t>12/8/2018</a:t>
             </a:fld>
             <a:endParaRPr lang="en-US"/>
           </a:p>
@@ -2910,7 +2909,7 @@
           <a:p>
             <a:fld id="{475285AB-45C2-4E3D-959C-E0F014F8DA42}" type="datetimeFigureOut">
               <a:rPr lang="en-US" smtClean="0"/>
-              <a:t>12/5/2018</a:t>
+              <a:t>12/8/2018</a:t>
             </a:fld>
             <a:endParaRPr lang="en-US"/>
           </a:p>
@@ -5576,1157 +5575,6 @@
 </p:sld>
 </file>
 
-<file path=ppt/slides/slide2.xml><?xml version="1.0" encoding="utf-8"?>
-<p:sld xmlns:a="http://schemas.openxmlformats.org/drawingml/2006/main" xmlns:r="http://schemas.openxmlformats.org/officeDocument/2006/relationships" xmlns:p="http://schemas.openxmlformats.org/presentationml/2006/main">
-  <p:cSld>
-    <p:spTree>
-      <p:nvGrpSpPr>
-        <p:cNvPr id="1" name=""/>
-        <p:cNvGrpSpPr/>
-        <p:nvPr/>
-      </p:nvGrpSpPr>
-      <p:grpSpPr>
-        <a:xfrm>
-          <a:off x="0" y="0"/>
-          <a:ext cx="0" cy="0"/>
-          <a:chOff x="0" y="0"/>
-          <a:chExt cx="0" cy="0"/>
-        </a:xfrm>
-      </p:grpSpPr>
-      <p:sp>
-        <p:nvSpPr>
-          <p:cNvPr id="2" name="Rectangle 1">
-            <a:extLst>
-              <a:ext uri="{FF2B5EF4-FFF2-40B4-BE49-F238E27FC236}">
-                <a16:creationId xmlns:a16="http://schemas.microsoft.com/office/drawing/2014/main" id="{BB0ACB67-80E6-4402-A632-685A8111B616}"/>
-              </a:ext>
-            </a:extLst>
-          </p:cNvPr>
-          <p:cNvSpPr/>
-          <p:nvPr/>
-        </p:nvSpPr>
-        <p:spPr>
-          <a:xfrm>
-            <a:off x="3342468" y="1059051"/>
-            <a:ext cx="591521" cy="604434"/>
-          </a:xfrm>
-          <a:prstGeom prst="rect">
-            <a:avLst/>
-          </a:prstGeom>
-          <a:noFill/>
-          <a:ln w="38100"/>
-        </p:spPr>
-        <p:style>
-          <a:lnRef idx="2">
-            <a:schemeClr val="accent1">
-              <a:shade val="50000"/>
-            </a:schemeClr>
-          </a:lnRef>
-          <a:fillRef idx="1">
-            <a:schemeClr val="accent1"/>
-          </a:fillRef>
-          <a:effectRef idx="0">
-            <a:schemeClr val="accent1"/>
-          </a:effectRef>
-          <a:fontRef idx="minor">
-            <a:schemeClr val="lt1"/>
-          </a:fontRef>
-        </p:style>
-        <p:txBody>
-          <a:bodyPr rtlCol="0" anchor="ctr"/>
-          <a:lstStyle/>
-          <a:p>
-            <a:pPr algn="ctr"/>
-            <a:r>
-              <a:rPr lang="en-US" sz="2400" b="1" dirty="0">
-                <a:solidFill>
-                  <a:schemeClr val="tx1"/>
-                </a:solidFill>
-              </a:rPr>
-              <a:t>0</a:t>
-            </a:r>
-          </a:p>
-        </p:txBody>
-      </p:sp>
-      <p:sp>
-        <p:nvSpPr>
-          <p:cNvPr id="3" name="Rectangle 2">
-            <a:extLst>
-              <a:ext uri="{FF2B5EF4-FFF2-40B4-BE49-F238E27FC236}">
-                <a16:creationId xmlns:a16="http://schemas.microsoft.com/office/drawing/2014/main" id="{6BD074B8-1F4C-4ACA-B05B-5C88B2511D4C}"/>
-              </a:ext>
-            </a:extLst>
-          </p:cNvPr>
-          <p:cNvSpPr/>
-          <p:nvPr/>
-        </p:nvSpPr>
-        <p:spPr>
-          <a:xfrm>
-            <a:off x="3957234" y="1059051"/>
-            <a:ext cx="610892" cy="604434"/>
-          </a:xfrm>
-          <a:prstGeom prst="rect">
-            <a:avLst/>
-          </a:prstGeom>
-          <a:noFill/>
-          <a:ln w="38100"/>
-        </p:spPr>
-        <p:style>
-          <a:lnRef idx="2">
-            <a:schemeClr val="accent1">
-              <a:shade val="50000"/>
-            </a:schemeClr>
-          </a:lnRef>
-          <a:fillRef idx="1">
-            <a:schemeClr val="accent1"/>
-          </a:fillRef>
-          <a:effectRef idx="0">
-            <a:schemeClr val="accent1"/>
-          </a:effectRef>
-          <a:fontRef idx="minor">
-            <a:schemeClr val="lt1"/>
-          </a:fontRef>
-        </p:style>
-        <p:txBody>
-          <a:bodyPr rtlCol="0" anchor="ctr"/>
-          <a:lstStyle/>
-          <a:p>
-            <a:pPr algn="ctr"/>
-            <a:r>
-              <a:rPr lang="en-US" sz="2400" b="1" dirty="0">
-                <a:solidFill>
-                  <a:schemeClr val="tx1"/>
-                </a:solidFill>
-              </a:rPr>
-              <a:t>1</a:t>
-            </a:r>
-          </a:p>
-        </p:txBody>
-      </p:sp>
-      <p:sp>
-        <p:nvSpPr>
-          <p:cNvPr id="4" name="Rectangle 3">
-            <a:extLst>
-              <a:ext uri="{FF2B5EF4-FFF2-40B4-BE49-F238E27FC236}">
-                <a16:creationId xmlns:a16="http://schemas.microsoft.com/office/drawing/2014/main" id="{ADD41C3F-61E6-4BD7-8ABC-39CE6E3D1E19}"/>
-              </a:ext>
-            </a:extLst>
-          </p:cNvPr>
-          <p:cNvSpPr/>
-          <p:nvPr/>
-        </p:nvSpPr>
-        <p:spPr>
-          <a:xfrm>
-            <a:off x="4554161" y="1059051"/>
-            <a:ext cx="604434" cy="604434"/>
-          </a:xfrm>
-          <a:prstGeom prst="rect">
-            <a:avLst/>
-          </a:prstGeom>
-          <a:noFill/>
-          <a:ln w="38100"/>
-        </p:spPr>
-        <p:style>
-          <a:lnRef idx="2">
-            <a:schemeClr val="accent1">
-              <a:shade val="50000"/>
-            </a:schemeClr>
-          </a:lnRef>
-          <a:fillRef idx="1">
-            <a:schemeClr val="accent1"/>
-          </a:fillRef>
-          <a:effectRef idx="0">
-            <a:schemeClr val="accent1"/>
-          </a:effectRef>
-          <a:fontRef idx="minor">
-            <a:schemeClr val="lt1"/>
-          </a:fontRef>
-        </p:style>
-        <p:txBody>
-          <a:bodyPr rtlCol="0" anchor="ctr"/>
-          <a:lstStyle/>
-          <a:p>
-            <a:pPr algn="ctr"/>
-            <a:r>
-              <a:rPr lang="en-US" sz="2400" b="1" dirty="0">
-                <a:solidFill>
-                  <a:schemeClr val="tx1"/>
-                </a:solidFill>
-              </a:rPr>
-              <a:t>2</a:t>
-            </a:r>
-          </a:p>
-        </p:txBody>
-      </p:sp>
-      <p:sp>
-        <p:nvSpPr>
-          <p:cNvPr id="5" name="Rectangle 4">
-            <a:extLst>
-              <a:ext uri="{FF2B5EF4-FFF2-40B4-BE49-F238E27FC236}">
-                <a16:creationId xmlns:a16="http://schemas.microsoft.com/office/drawing/2014/main" id="{DCB46A33-9265-48A0-AF67-9DAF3AE07A4E}"/>
-              </a:ext>
-            </a:extLst>
-          </p:cNvPr>
-          <p:cNvSpPr/>
-          <p:nvPr/>
-        </p:nvSpPr>
-        <p:spPr>
-          <a:xfrm>
-            <a:off x="5176434" y="1059051"/>
-            <a:ext cx="604434" cy="604434"/>
-          </a:xfrm>
-          <a:prstGeom prst="rect">
-            <a:avLst/>
-          </a:prstGeom>
-          <a:noFill/>
-          <a:ln w="38100"/>
-        </p:spPr>
-        <p:style>
-          <a:lnRef idx="2">
-            <a:schemeClr val="accent1">
-              <a:shade val="50000"/>
-            </a:schemeClr>
-          </a:lnRef>
-          <a:fillRef idx="1">
-            <a:schemeClr val="accent1"/>
-          </a:fillRef>
-          <a:effectRef idx="0">
-            <a:schemeClr val="accent1"/>
-          </a:effectRef>
-          <a:fontRef idx="minor">
-            <a:schemeClr val="lt1"/>
-          </a:fontRef>
-        </p:style>
-        <p:txBody>
-          <a:bodyPr rtlCol="0" anchor="ctr"/>
-          <a:lstStyle/>
-          <a:p>
-            <a:pPr algn="ctr"/>
-            <a:r>
-              <a:rPr lang="en-US" sz="2400" b="1" dirty="0">
-                <a:solidFill>
-                  <a:schemeClr val="tx1"/>
-                </a:solidFill>
-              </a:rPr>
-              <a:t>3</a:t>
-            </a:r>
-          </a:p>
-        </p:txBody>
-      </p:sp>
-      <p:sp>
-        <p:nvSpPr>
-          <p:cNvPr id="6" name="Rectangle 5">
-            <a:extLst>
-              <a:ext uri="{FF2B5EF4-FFF2-40B4-BE49-F238E27FC236}">
-                <a16:creationId xmlns:a16="http://schemas.microsoft.com/office/drawing/2014/main" id="{E3EE16CB-6627-499A-84D3-7F16733A34A0}"/>
-              </a:ext>
-            </a:extLst>
-          </p:cNvPr>
-          <p:cNvSpPr/>
-          <p:nvPr/>
-        </p:nvSpPr>
-        <p:spPr>
-          <a:xfrm>
-            <a:off x="3339885" y="1663485"/>
-            <a:ext cx="604434" cy="604434"/>
-          </a:xfrm>
-          <a:prstGeom prst="rect">
-            <a:avLst/>
-          </a:prstGeom>
-          <a:noFill/>
-          <a:ln w="38100"/>
-        </p:spPr>
-        <p:style>
-          <a:lnRef idx="2">
-            <a:schemeClr val="accent1">
-              <a:shade val="50000"/>
-            </a:schemeClr>
-          </a:lnRef>
-          <a:fillRef idx="1">
-            <a:schemeClr val="accent1"/>
-          </a:fillRef>
-          <a:effectRef idx="0">
-            <a:schemeClr val="accent1"/>
-          </a:effectRef>
-          <a:fontRef idx="minor">
-            <a:schemeClr val="lt1"/>
-          </a:fontRef>
-        </p:style>
-        <p:txBody>
-          <a:bodyPr rtlCol="0" anchor="ctr"/>
-          <a:lstStyle/>
-          <a:p>
-            <a:pPr algn="ctr"/>
-            <a:r>
-              <a:rPr lang="en-US" sz="2400" b="1" dirty="0">
-                <a:solidFill>
-                  <a:schemeClr val="tx1"/>
-                </a:solidFill>
-              </a:rPr>
-              <a:t>4</a:t>
-            </a:r>
-          </a:p>
-        </p:txBody>
-      </p:sp>
-      <p:sp>
-        <p:nvSpPr>
-          <p:cNvPr id="7" name="Rectangle 6">
-            <a:extLst>
-              <a:ext uri="{FF2B5EF4-FFF2-40B4-BE49-F238E27FC236}">
-                <a16:creationId xmlns:a16="http://schemas.microsoft.com/office/drawing/2014/main" id="{93A88E64-5454-4E6D-9F64-2BEA31F92F07}"/>
-              </a:ext>
-            </a:extLst>
-          </p:cNvPr>
-          <p:cNvSpPr/>
-          <p:nvPr/>
-        </p:nvSpPr>
-        <p:spPr>
-          <a:xfrm>
-            <a:off x="3944320" y="1663485"/>
-            <a:ext cx="619932" cy="604434"/>
-          </a:xfrm>
-          <a:prstGeom prst="rect">
-            <a:avLst/>
-          </a:prstGeom>
-          <a:noFill/>
-          <a:ln w="38100"/>
-        </p:spPr>
-        <p:style>
-          <a:lnRef idx="2">
-            <a:schemeClr val="accent1">
-              <a:shade val="50000"/>
-            </a:schemeClr>
-          </a:lnRef>
-          <a:fillRef idx="1">
-            <a:schemeClr val="accent1"/>
-          </a:fillRef>
-          <a:effectRef idx="0">
-            <a:schemeClr val="accent1"/>
-          </a:effectRef>
-          <a:fontRef idx="minor">
-            <a:schemeClr val="lt1"/>
-          </a:fontRef>
-        </p:style>
-        <p:txBody>
-          <a:bodyPr rtlCol="0" anchor="ctr"/>
-          <a:lstStyle/>
-          <a:p>
-            <a:pPr algn="ctr"/>
-            <a:r>
-              <a:rPr lang="en-US" sz="2400" b="1" dirty="0">
-                <a:solidFill>
-                  <a:schemeClr val="tx1"/>
-                </a:solidFill>
-              </a:rPr>
-              <a:t>5</a:t>
-            </a:r>
-          </a:p>
-        </p:txBody>
-      </p:sp>
-      <p:sp>
-        <p:nvSpPr>
-          <p:cNvPr id="8" name="Rectangle 7">
-            <a:extLst>
-              <a:ext uri="{FF2B5EF4-FFF2-40B4-BE49-F238E27FC236}">
-                <a16:creationId xmlns:a16="http://schemas.microsoft.com/office/drawing/2014/main" id="{1DB11759-44C7-407C-AB2B-169CB3460E05}"/>
-              </a:ext>
-            </a:extLst>
-          </p:cNvPr>
-          <p:cNvSpPr/>
-          <p:nvPr/>
-        </p:nvSpPr>
-        <p:spPr>
-          <a:xfrm>
-            <a:off x="4564251" y="1663485"/>
-            <a:ext cx="604434" cy="604434"/>
-          </a:xfrm>
-          <a:prstGeom prst="rect">
-            <a:avLst/>
-          </a:prstGeom>
-          <a:noFill/>
-          <a:ln w="38100"/>
-        </p:spPr>
-        <p:style>
-          <a:lnRef idx="2">
-            <a:schemeClr val="accent1">
-              <a:shade val="50000"/>
-            </a:schemeClr>
-          </a:lnRef>
-          <a:fillRef idx="1">
-            <a:schemeClr val="accent1"/>
-          </a:fillRef>
-          <a:effectRef idx="0">
-            <a:schemeClr val="accent1"/>
-          </a:effectRef>
-          <a:fontRef idx="minor">
-            <a:schemeClr val="lt1"/>
-          </a:fontRef>
-        </p:style>
-        <p:txBody>
-          <a:bodyPr rtlCol="0" anchor="ctr"/>
-          <a:lstStyle/>
-          <a:p>
-            <a:pPr algn="ctr"/>
-            <a:r>
-              <a:rPr lang="en-US" sz="2400" b="1" dirty="0">
-                <a:solidFill>
-                  <a:schemeClr val="tx1"/>
-                </a:solidFill>
-              </a:rPr>
-              <a:t>6</a:t>
-            </a:r>
-          </a:p>
-        </p:txBody>
-      </p:sp>
-      <p:sp>
-        <p:nvSpPr>
-          <p:cNvPr id="9" name="Rectangle 8">
-            <a:extLst>
-              <a:ext uri="{FF2B5EF4-FFF2-40B4-BE49-F238E27FC236}">
-                <a16:creationId xmlns:a16="http://schemas.microsoft.com/office/drawing/2014/main" id="{582664AA-091E-4AD0-AE72-6F64CB6E81A7}"/>
-              </a:ext>
-            </a:extLst>
-          </p:cNvPr>
-          <p:cNvSpPr/>
-          <p:nvPr/>
-        </p:nvSpPr>
-        <p:spPr>
-          <a:xfrm>
-            <a:off x="5176434" y="1663485"/>
-            <a:ext cx="604434" cy="604434"/>
-          </a:xfrm>
-          <a:prstGeom prst="rect">
-            <a:avLst/>
-          </a:prstGeom>
-          <a:noFill/>
-          <a:ln w="38100"/>
-        </p:spPr>
-        <p:style>
-          <a:lnRef idx="2">
-            <a:schemeClr val="accent1">
-              <a:shade val="50000"/>
-            </a:schemeClr>
-          </a:lnRef>
-          <a:fillRef idx="1">
-            <a:schemeClr val="accent1"/>
-          </a:fillRef>
-          <a:effectRef idx="0">
-            <a:schemeClr val="accent1"/>
-          </a:effectRef>
-          <a:fontRef idx="minor">
-            <a:schemeClr val="lt1"/>
-          </a:fontRef>
-        </p:style>
-        <p:txBody>
-          <a:bodyPr rtlCol="0" anchor="ctr"/>
-          <a:lstStyle/>
-          <a:p>
-            <a:pPr algn="ctr"/>
-            <a:r>
-              <a:rPr lang="en-US" sz="2400" b="1" dirty="0">
-                <a:solidFill>
-                  <a:schemeClr val="tx1"/>
-                </a:solidFill>
-              </a:rPr>
-              <a:t>7</a:t>
-            </a:r>
-          </a:p>
-        </p:txBody>
-      </p:sp>
-      <p:sp>
-        <p:nvSpPr>
-          <p:cNvPr id="10" name="Rectangle 9">
-            <a:extLst>
-              <a:ext uri="{FF2B5EF4-FFF2-40B4-BE49-F238E27FC236}">
-                <a16:creationId xmlns:a16="http://schemas.microsoft.com/office/drawing/2014/main" id="{0E9F95D6-0F09-44AC-9AF5-5B5168E4B72C}"/>
-              </a:ext>
-            </a:extLst>
-          </p:cNvPr>
-          <p:cNvSpPr/>
-          <p:nvPr/>
-        </p:nvSpPr>
-        <p:spPr>
-          <a:xfrm>
-            <a:off x="3339885" y="2267919"/>
-            <a:ext cx="604434" cy="604434"/>
-          </a:xfrm>
-          <a:prstGeom prst="rect">
-            <a:avLst/>
-          </a:prstGeom>
-          <a:noFill/>
-          <a:ln w="38100"/>
-        </p:spPr>
-        <p:style>
-          <a:lnRef idx="2">
-            <a:schemeClr val="accent1">
-              <a:shade val="50000"/>
-            </a:schemeClr>
-          </a:lnRef>
-          <a:fillRef idx="1">
-            <a:schemeClr val="accent1"/>
-          </a:fillRef>
-          <a:effectRef idx="0">
-            <a:schemeClr val="accent1"/>
-          </a:effectRef>
-          <a:fontRef idx="minor">
-            <a:schemeClr val="lt1"/>
-          </a:fontRef>
-        </p:style>
-        <p:txBody>
-          <a:bodyPr rtlCol="0" anchor="ctr"/>
-          <a:lstStyle/>
-          <a:p>
-            <a:pPr algn="ctr"/>
-            <a:r>
-              <a:rPr lang="en-US" sz="2400" b="1" dirty="0">
-                <a:solidFill>
-                  <a:schemeClr val="tx1"/>
-                </a:solidFill>
-              </a:rPr>
-              <a:t>8</a:t>
-            </a:r>
-          </a:p>
-        </p:txBody>
-      </p:sp>
-      <p:sp>
-        <p:nvSpPr>
-          <p:cNvPr id="11" name="Rectangle 10">
-            <a:extLst>
-              <a:ext uri="{FF2B5EF4-FFF2-40B4-BE49-F238E27FC236}">
-                <a16:creationId xmlns:a16="http://schemas.microsoft.com/office/drawing/2014/main" id="{1FCAB1F1-E2F6-4CE3-A3C0-938ECCD5180A}"/>
-              </a:ext>
-            </a:extLst>
-          </p:cNvPr>
-          <p:cNvSpPr/>
-          <p:nvPr/>
-        </p:nvSpPr>
-        <p:spPr>
-          <a:xfrm>
-            <a:off x="3957234" y="2267919"/>
-            <a:ext cx="604434" cy="604434"/>
-          </a:xfrm>
-          <a:prstGeom prst="rect">
-            <a:avLst/>
-          </a:prstGeom>
-          <a:noFill/>
-          <a:ln w="38100"/>
-        </p:spPr>
-        <p:style>
-          <a:lnRef idx="2">
-            <a:schemeClr val="accent1">
-              <a:shade val="50000"/>
-            </a:schemeClr>
-          </a:lnRef>
-          <a:fillRef idx="1">
-            <a:schemeClr val="accent1"/>
-          </a:fillRef>
-          <a:effectRef idx="0">
-            <a:schemeClr val="accent1"/>
-          </a:effectRef>
-          <a:fontRef idx="minor">
-            <a:schemeClr val="lt1"/>
-          </a:fontRef>
-        </p:style>
-        <p:txBody>
-          <a:bodyPr rtlCol="0" anchor="ctr"/>
-          <a:lstStyle/>
-          <a:p>
-            <a:pPr algn="ctr"/>
-            <a:r>
-              <a:rPr lang="en-US" sz="2400" b="1" dirty="0">
-                <a:solidFill>
-                  <a:schemeClr val="tx1"/>
-                </a:solidFill>
-              </a:rPr>
-              <a:t>9</a:t>
-            </a:r>
-          </a:p>
-        </p:txBody>
-      </p:sp>
-      <p:sp>
-        <p:nvSpPr>
-          <p:cNvPr id="12" name="Rectangle 11">
-            <a:extLst>
-              <a:ext uri="{FF2B5EF4-FFF2-40B4-BE49-F238E27FC236}">
-                <a16:creationId xmlns:a16="http://schemas.microsoft.com/office/drawing/2014/main" id="{A0BC6E70-74D4-400B-B9BB-80335E7F88BF}"/>
-              </a:ext>
-            </a:extLst>
-          </p:cNvPr>
-          <p:cNvSpPr/>
-          <p:nvPr/>
-        </p:nvSpPr>
-        <p:spPr>
-          <a:xfrm>
-            <a:off x="4574583" y="2267919"/>
-            <a:ext cx="604434" cy="604434"/>
-          </a:xfrm>
-          <a:prstGeom prst="rect">
-            <a:avLst/>
-          </a:prstGeom>
-          <a:noFill/>
-          <a:ln w="38100"/>
-        </p:spPr>
-        <p:style>
-          <a:lnRef idx="2">
-            <a:schemeClr val="accent1">
-              <a:shade val="50000"/>
-            </a:schemeClr>
-          </a:lnRef>
-          <a:fillRef idx="1">
-            <a:schemeClr val="accent1"/>
-          </a:fillRef>
-          <a:effectRef idx="0">
-            <a:schemeClr val="accent1"/>
-          </a:effectRef>
-          <a:fontRef idx="minor">
-            <a:schemeClr val="lt1"/>
-          </a:fontRef>
-        </p:style>
-        <p:txBody>
-          <a:bodyPr rtlCol="0" anchor="ctr"/>
-          <a:lstStyle/>
-          <a:p>
-            <a:pPr algn="ctr"/>
-            <a:r>
-              <a:rPr lang="en-US" sz="2400" b="1" dirty="0">
-                <a:solidFill>
-                  <a:schemeClr val="tx1"/>
-                </a:solidFill>
-              </a:rPr>
-              <a:t>10</a:t>
-            </a:r>
-          </a:p>
-        </p:txBody>
-      </p:sp>
-      <p:sp>
-        <p:nvSpPr>
-          <p:cNvPr id="13" name="Rectangle 12">
-            <a:extLst>
-              <a:ext uri="{FF2B5EF4-FFF2-40B4-BE49-F238E27FC236}">
-                <a16:creationId xmlns:a16="http://schemas.microsoft.com/office/drawing/2014/main" id="{5068FE32-2406-47AB-BD7A-324F0E415BE7}"/>
-              </a:ext>
-            </a:extLst>
-          </p:cNvPr>
-          <p:cNvSpPr/>
-          <p:nvPr/>
-        </p:nvSpPr>
-        <p:spPr>
-          <a:xfrm>
-            <a:off x="5191932" y="2267919"/>
-            <a:ext cx="604434" cy="604434"/>
-          </a:xfrm>
-          <a:prstGeom prst="rect">
-            <a:avLst/>
-          </a:prstGeom>
-          <a:noFill/>
-          <a:ln w="38100"/>
-        </p:spPr>
-        <p:style>
-          <a:lnRef idx="2">
-            <a:schemeClr val="accent1">
-              <a:shade val="50000"/>
-            </a:schemeClr>
-          </a:lnRef>
-          <a:fillRef idx="1">
-            <a:schemeClr val="accent1"/>
-          </a:fillRef>
-          <a:effectRef idx="0">
-            <a:schemeClr val="accent1"/>
-          </a:effectRef>
-          <a:fontRef idx="minor">
-            <a:schemeClr val="lt1"/>
-          </a:fontRef>
-        </p:style>
-        <p:txBody>
-          <a:bodyPr rtlCol="0" anchor="ctr"/>
-          <a:lstStyle/>
-          <a:p>
-            <a:pPr algn="ctr"/>
-            <a:r>
-              <a:rPr lang="en-US" sz="2400" b="1" dirty="0">
-                <a:solidFill>
-                  <a:schemeClr val="tx1"/>
-                </a:solidFill>
-              </a:rPr>
-              <a:t>11</a:t>
-            </a:r>
-          </a:p>
-        </p:txBody>
-      </p:sp>
-      <p:sp>
-        <p:nvSpPr>
-          <p:cNvPr id="14" name="Rectangle 13">
-            <a:extLst>
-              <a:ext uri="{FF2B5EF4-FFF2-40B4-BE49-F238E27FC236}">
-                <a16:creationId xmlns:a16="http://schemas.microsoft.com/office/drawing/2014/main" id="{E5EC976E-0491-46E2-84FB-A6865198D4B6}"/>
-              </a:ext>
-            </a:extLst>
-          </p:cNvPr>
-          <p:cNvSpPr/>
-          <p:nvPr/>
-        </p:nvSpPr>
-        <p:spPr>
-          <a:xfrm>
-            <a:off x="3347634" y="2872353"/>
-            <a:ext cx="604434" cy="604434"/>
-          </a:xfrm>
-          <a:prstGeom prst="rect">
-            <a:avLst/>
-          </a:prstGeom>
-          <a:noFill/>
-          <a:ln w="38100"/>
-        </p:spPr>
-        <p:style>
-          <a:lnRef idx="2">
-            <a:schemeClr val="accent1">
-              <a:shade val="50000"/>
-            </a:schemeClr>
-          </a:lnRef>
-          <a:fillRef idx="1">
-            <a:schemeClr val="accent1"/>
-          </a:fillRef>
-          <a:effectRef idx="0">
-            <a:schemeClr val="accent1"/>
-          </a:effectRef>
-          <a:fontRef idx="minor">
-            <a:schemeClr val="lt1"/>
-          </a:fontRef>
-        </p:style>
-        <p:txBody>
-          <a:bodyPr rtlCol="0" anchor="ctr"/>
-          <a:lstStyle/>
-          <a:p>
-            <a:pPr algn="ctr"/>
-            <a:r>
-              <a:rPr lang="en-US" sz="2400" b="1" dirty="0">
-                <a:solidFill>
-                  <a:schemeClr val="tx1"/>
-                </a:solidFill>
-              </a:rPr>
-              <a:t>12</a:t>
-            </a:r>
-          </a:p>
-        </p:txBody>
-      </p:sp>
-      <p:sp>
-        <p:nvSpPr>
-          <p:cNvPr id="15" name="Rectangle 14">
-            <a:extLst>
-              <a:ext uri="{FF2B5EF4-FFF2-40B4-BE49-F238E27FC236}">
-                <a16:creationId xmlns:a16="http://schemas.microsoft.com/office/drawing/2014/main" id="{28FC16D9-06A7-47DA-8F96-868B62DBF21A}"/>
-              </a:ext>
-            </a:extLst>
-          </p:cNvPr>
-          <p:cNvSpPr/>
-          <p:nvPr/>
-        </p:nvSpPr>
-        <p:spPr>
-          <a:xfrm>
-            <a:off x="3963692" y="2872353"/>
-            <a:ext cx="604434" cy="604434"/>
-          </a:xfrm>
-          <a:prstGeom prst="rect">
-            <a:avLst/>
-          </a:prstGeom>
-          <a:pattFill prst="ltUpDiag">
-            <a:fgClr>
-              <a:schemeClr val="bg2">
-                <a:lumMod val="50000"/>
-              </a:schemeClr>
-            </a:fgClr>
-            <a:bgClr>
-              <a:schemeClr val="bg1"/>
-            </a:bgClr>
-          </a:pattFill>
-          <a:ln w="38100"/>
-        </p:spPr>
-        <p:style>
-          <a:lnRef idx="2">
-            <a:schemeClr val="accent1">
-              <a:shade val="50000"/>
-            </a:schemeClr>
-          </a:lnRef>
-          <a:fillRef idx="1">
-            <a:schemeClr val="accent1"/>
-          </a:fillRef>
-          <a:effectRef idx="0">
-            <a:schemeClr val="accent1"/>
-          </a:effectRef>
-          <a:fontRef idx="minor">
-            <a:schemeClr val="lt1"/>
-          </a:fontRef>
-        </p:style>
-        <p:txBody>
-          <a:bodyPr rtlCol="0" anchor="ctr"/>
-          <a:lstStyle/>
-          <a:p>
-            <a:pPr algn="ctr"/>
-            <a:r>
-              <a:rPr lang="en-US" sz="2400" b="1" dirty="0">
-                <a:solidFill>
-                  <a:schemeClr val="tx1"/>
-                </a:solidFill>
-              </a:rPr>
-              <a:t>13</a:t>
-            </a:r>
-          </a:p>
-        </p:txBody>
-      </p:sp>
-      <p:sp>
-        <p:nvSpPr>
-          <p:cNvPr id="16" name="Rectangle 15">
-            <a:extLst>
-              <a:ext uri="{FF2B5EF4-FFF2-40B4-BE49-F238E27FC236}">
-                <a16:creationId xmlns:a16="http://schemas.microsoft.com/office/drawing/2014/main" id="{F4408BF8-94C4-40E5-93C4-D9471731D80E}"/>
-              </a:ext>
-            </a:extLst>
-          </p:cNvPr>
-          <p:cNvSpPr/>
-          <p:nvPr/>
-        </p:nvSpPr>
-        <p:spPr>
-          <a:xfrm>
-            <a:off x="4581041" y="2872353"/>
-            <a:ext cx="604434" cy="604434"/>
-          </a:xfrm>
-          <a:prstGeom prst="rect">
-            <a:avLst/>
-          </a:prstGeom>
-          <a:pattFill prst="ltUpDiag">
-            <a:fgClr>
-              <a:schemeClr val="bg2">
-                <a:lumMod val="50000"/>
-              </a:schemeClr>
-            </a:fgClr>
-            <a:bgClr>
-              <a:schemeClr val="bg1"/>
-            </a:bgClr>
-          </a:pattFill>
-          <a:ln w="38100"/>
-        </p:spPr>
-        <p:style>
-          <a:lnRef idx="2">
-            <a:schemeClr val="accent1">
-              <a:shade val="50000"/>
-            </a:schemeClr>
-          </a:lnRef>
-          <a:fillRef idx="1">
-            <a:schemeClr val="accent1"/>
-          </a:fillRef>
-          <a:effectRef idx="0">
-            <a:schemeClr val="accent1"/>
-          </a:effectRef>
-          <a:fontRef idx="minor">
-            <a:schemeClr val="lt1"/>
-          </a:fontRef>
-        </p:style>
-        <p:txBody>
-          <a:bodyPr rtlCol="0" anchor="ctr"/>
-          <a:lstStyle/>
-          <a:p>
-            <a:pPr algn="ctr"/>
-            <a:r>
-              <a:rPr lang="en-US" sz="2400" b="1" dirty="0">
-                <a:solidFill>
-                  <a:schemeClr val="tx1"/>
-                </a:solidFill>
-              </a:rPr>
-              <a:t>14</a:t>
-            </a:r>
-          </a:p>
-        </p:txBody>
-      </p:sp>
-      <p:sp>
-        <p:nvSpPr>
-          <p:cNvPr id="17" name="Rectangle 16">
-            <a:extLst>
-              <a:ext uri="{FF2B5EF4-FFF2-40B4-BE49-F238E27FC236}">
-                <a16:creationId xmlns:a16="http://schemas.microsoft.com/office/drawing/2014/main" id="{509DE6D9-F21B-4639-BF2A-4E6257665354}"/>
-              </a:ext>
-            </a:extLst>
-          </p:cNvPr>
-          <p:cNvSpPr/>
-          <p:nvPr/>
-        </p:nvSpPr>
-        <p:spPr>
-          <a:xfrm>
-            <a:off x="5198390" y="2872353"/>
-            <a:ext cx="604434" cy="604434"/>
-          </a:xfrm>
-          <a:prstGeom prst="rect">
-            <a:avLst/>
-          </a:prstGeom>
-          <a:noFill/>
-          <a:ln w="38100"/>
-        </p:spPr>
-        <p:style>
-          <a:lnRef idx="2">
-            <a:schemeClr val="accent1">
-              <a:shade val="50000"/>
-            </a:schemeClr>
-          </a:lnRef>
-          <a:fillRef idx="1">
-            <a:schemeClr val="accent1"/>
-          </a:fillRef>
-          <a:effectRef idx="0">
-            <a:schemeClr val="accent1"/>
-          </a:effectRef>
-          <a:fontRef idx="minor">
-            <a:schemeClr val="lt1"/>
-          </a:fontRef>
-        </p:style>
-        <p:txBody>
-          <a:bodyPr rtlCol="0" anchor="ctr"/>
-          <a:lstStyle/>
-          <a:p>
-            <a:pPr algn="ctr"/>
-            <a:r>
-              <a:rPr lang="en-US" sz="2400" b="1" dirty="0">
-                <a:solidFill>
-                  <a:schemeClr val="tx1"/>
-                </a:solidFill>
-              </a:rPr>
-              <a:t>15</a:t>
-            </a:r>
-          </a:p>
-        </p:txBody>
-      </p:sp>
-      <p:sp>
-        <p:nvSpPr>
-          <p:cNvPr id="27" name="Arc 26">
-            <a:extLst>
-              <a:ext uri="{FF2B5EF4-FFF2-40B4-BE49-F238E27FC236}">
-                <a16:creationId xmlns:a16="http://schemas.microsoft.com/office/drawing/2014/main" id="{6D8B8D02-3DFD-4C3B-B350-B75D1A89FF69}"/>
-              </a:ext>
-            </a:extLst>
-          </p:cNvPr>
-          <p:cNvSpPr/>
-          <p:nvPr/>
-        </p:nvSpPr>
-        <p:spPr>
-          <a:xfrm rot="8119748">
-            <a:off x="3146607" y="1599010"/>
-            <a:ext cx="2098157" cy="2221928"/>
-          </a:xfrm>
-          <a:prstGeom prst="arc">
-            <a:avLst>
-              <a:gd name="adj1" fmla="val 16200000"/>
-              <a:gd name="adj2" fmla="val 21565586"/>
-            </a:avLst>
-          </a:prstGeom>
-          <a:ln w="25400">
-            <a:headEnd type="none"/>
-            <a:tailEnd type="triangle"/>
-          </a:ln>
-        </p:spPr>
-        <p:style>
-          <a:lnRef idx="1">
-            <a:schemeClr val="accent1"/>
-          </a:lnRef>
-          <a:fillRef idx="0">
-            <a:schemeClr val="accent1"/>
-          </a:fillRef>
-          <a:effectRef idx="0">
-            <a:schemeClr val="accent1"/>
-          </a:effectRef>
-          <a:fontRef idx="minor">
-            <a:schemeClr val="tx1"/>
-          </a:fontRef>
-        </p:style>
-        <p:txBody>
-          <a:bodyPr rtlCol="0" anchor="ctr"/>
-          <a:lstStyle/>
-          <a:p>
-            <a:pPr algn="ctr"/>
-            <a:endParaRPr lang="en-US"/>
-          </a:p>
-        </p:txBody>
-      </p:sp>
-      <p:sp>
-        <p:nvSpPr>
-          <p:cNvPr id="28" name="Arc 27">
-            <a:extLst>
-              <a:ext uri="{FF2B5EF4-FFF2-40B4-BE49-F238E27FC236}">
-                <a16:creationId xmlns:a16="http://schemas.microsoft.com/office/drawing/2014/main" id="{68AA2558-0E55-4404-A666-D53653C5EDEB}"/>
-              </a:ext>
-            </a:extLst>
-          </p:cNvPr>
-          <p:cNvSpPr/>
-          <p:nvPr/>
-        </p:nvSpPr>
-        <p:spPr>
-          <a:xfrm rot="8017826">
-            <a:off x="3503262" y="2596612"/>
-            <a:ext cx="920861" cy="1057072"/>
-          </a:xfrm>
-          <a:prstGeom prst="arc">
-            <a:avLst>
-              <a:gd name="adj1" fmla="val 16200000"/>
-              <a:gd name="adj2" fmla="val 21565586"/>
-            </a:avLst>
-          </a:prstGeom>
-          <a:ln w="25400">
-            <a:headEnd type="none"/>
-            <a:tailEnd type="triangle"/>
-          </a:ln>
-        </p:spPr>
-        <p:style>
-          <a:lnRef idx="1">
-            <a:schemeClr val="accent1"/>
-          </a:lnRef>
-          <a:fillRef idx="0">
-            <a:schemeClr val="accent1"/>
-          </a:fillRef>
-          <a:effectRef idx="0">
-            <a:schemeClr val="accent1"/>
-          </a:effectRef>
-          <a:fontRef idx="minor">
-            <a:schemeClr val="tx1"/>
-          </a:fontRef>
-        </p:style>
-        <p:txBody>
-          <a:bodyPr rtlCol="0" anchor="ctr"/>
-          <a:lstStyle/>
-          <a:p>
-            <a:pPr algn="ctr"/>
-            <a:endParaRPr lang="en-US"/>
-          </a:p>
-        </p:txBody>
-      </p:sp>
-      <p:cxnSp>
-        <p:nvCxnSpPr>
-          <p:cNvPr id="19" name="Straight Connector 18">
-            <a:extLst>
-              <a:ext uri="{FF2B5EF4-FFF2-40B4-BE49-F238E27FC236}">
-                <a16:creationId xmlns:a16="http://schemas.microsoft.com/office/drawing/2014/main" id="{56D97AE1-EEDF-401A-B50B-638156F0D36D}"/>
-              </a:ext>
-            </a:extLst>
-          </p:cNvPr>
-          <p:cNvCxnSpPr/>
-          <p:nvPr/>
-        </p:nvCxnSpPr>
-        <p:spPr>
-          <a:xfrm flipV="1">
-            <a:off x="3635619" y="2725615"/>
-            <a:ext cx="0" cy="307731"/>
-          </a:xfrm>
-          <a:prstGeom prst="line">
-            <a:avLst/>
-          </a:prstGeom>
-          <a:ln w="38100">
-            <a:prstDash val="sysDot"/>
-          </a:ln>
-        </p:spPr>
-        <p:style>
-          <a:lnRef idx="1">
-            <a:schemeClr val="accent1"/>
-          </a:lnRef>
-          <a:fillRef idx="0">
-            <a:schemeClr val="accent1"/>
-          </a:fillRef>
-          <a:effectRef idx="0">
-            <a:schemeClr val="accent1"/>
-          </a:effectRef>
-          <a:fontRef idx="minor">
-            <a:schemeClr val="tx1"/>
-          </a:fontRef>
-        </p:style>
-      </p:cxnSp>
-      <p:cxnSp>
-        <p:nvCxnSpPr>
-          <p:cNvPr id="22" name="Straight Connector 21">
-            <a:extLst>
-              <a:ext uri="{FF2B5EF4-FFF2-40B4-BE49-F238E27FC236}">
-                <a16:creationId xmlns:a16="http://schemas.microsoft.com/office/drawing/2014/main" id="{5705059C-D9AE-45C6-A5A9-CB1C1083578C}"/>
-              </a:ext>
-            </a:extLst>
-          </p:cNvPr>
-          <p:cNvCxnSpPr/>
-          <p:nvPr/>
-        </p:nvCxnSpPr>
-        <p:spPr>
-          <a:xfrm flipV="1">
-            <a:off x="5489683" y="2725615"/>
-            <a:ext cx="0" cy="307731"/>
-          </a:xfrm>
-          <a:prstGeom prst="line">
-            <a:avLst/>
-          </a:prstGeom>
-          <a:ln w="38100">
-            <a:prstDash val="sysDot"/>
-            <a:headEnd type="triangle"/>
-            <a:tailEnd type="none"/>
-          </a:ln>
-        </p:spPr>
-        <p:style>
-          <a:lnRef idx="1">
-            <a:schemeClr val="accent1"/>
-          </a:lnRef>
-          <a:fillRef idx="0">
-            <a:schemeClr val="accent1"/>
-          </a:fillRef>
-          <a:effectRef idx="0">
-            <a:schemeClr val="accent1"/>
-          </a:effectRef>
-          <a:fontRef idx="minor">
-            <a:schemeClr val="tx1"/>
-          </a:fontRef>
-        </p:style>
-      </p:cxnSp>
-      <p:cxnSp>
-        <p:nvCxnSpPr>
-          <p:cNvPr id="23" name="Straight Connector 22">
-            <a:extLst>
-              <a:ext uri="{FF2B5EF4-FFF2-40B4-BE49-F238E27FC236}">
-                <a16:creationId xmlns:a16="http://schemas.microsoft.com/office/drawing/2014/main" id="{2AA74DF6-7A0E-417A-88FD-CF7D9188AE36}"/>
-              </a:ext>
-            </a:extLst>
-          </p:cNvPr>
-          <p:cNvCxnSpPr>
-            <a:cxnSpLocks/>
-          </p:cNvCxnSpPr>
-          <p:nvPr/>
-        </p:nvCxnSpPr>
-        <p:spPr>
-          <a:xfrm>
-            <a:off x="3598922" y="2762759"/>
-            <a:ext cx="1890761" cy="0"/>
-          </a:xfrm>
-          <a:prstGeom prst="line">
-            <a:avLst/>
-          </a:prstGeom>
-          <a:ln w="38100">
-            <a:prstDash val="sysDot"/>
-          </a:ln>
-        </p:spPr>
-        <p:style>
-          <a:lnRef idx="1">
-            <a:schemeClr val="accent1"/>
-          </a:lnRef>
-          <a:fillRef idx="0">
-            <a:schemeClr val="accent1"/>
-          </a:fillRef>
-          <a:effectRef idx="0">
-            <a:schemeClr val="accent1"/>
-          </a:effectRef>
-          <a:fontRef idx="minor">
-            <a:schemeClr val="tx1"/>
-          </a:fontRef>
-        </p:style>
-      </p:cxnSp>
-    </p:spTree>
-    <p:extLst>
-      <p:ext uri="{BB962C8B-B14F-4D97-AF65-F5344CB8AC3E}">
-        <p14:creationId xmlns:p14="http://schemas.microsoft.com/office/powerpoint/2010/main" val="1355883966"/>
-      </p:ext>
-    </p:extLst>
-  </p:cSld>
-  <p:clrMapOvr>
-    <a:masterClrMapping/>
-  </p:clrMapOvr>
-</p:sld>
-</file>
-
 <file path=ppt/theme/theme1.xml><?xml version="1.0" encoding="utf-8"?>
 <a:theme xmlns:a="http://schemas.openxmlformats.org/drawingml/2006/main" name="Office Theme">
   <a:themeElements>
